--- a/images/diagrams.pptx
+++ b/images/diagrams.pptx
@@ -1893,7 +1893,7 @@
         </p:nvSpPr>
         <p:spPr>
           <a:xfrm>
-            <a:off x="2160270" y="1971040"/>
+            <a:off x="2159635" y="1989455"/>
             <a:ext cx="5852160" cy="2926080"/>
           </a:xfrm>
           <a:prstGeom prst="rect">
@@ -1952,14 +1952,14 @@
           </a:fontRef>
         </p:style>
         <p:txBody>
-          <a:bodyPr rtlCol="0" anchor="ctr"/>
+          <a:bodyPr lIns="0" rIns="0" rtlCol="0" anchor="ctr"/>
           <a:p>
             <a:pPr algn="ctr"/>
             <a:r>
-              <a:rPr lang="en-US" sz="1200"/>
-              <a:t>Camera</a:t>
+              <a:rPr lang="en-US" sz="1000"/>
+              <a:t>HD Digital Camera</a:t>
             </a:r>
-            <a:endParaRPr lang="en-US" sz="1200"/>
+            <a:endParaRPr lang="en-US" sz="1000"/>
           </a:p>
         </p:txBody>
       </p:sp>
@@ -1993,14 +1993,18 @@
           </a:fontRef>
         </p:style>
         <p:txBody>
-          <a:bodyPr rtlCol="0" anchor="ctr"/>
+          <a:bodyPr lIns="0" rIns="0" rtlCol="0" anchor="ctr"/>
           <a:p>
             <a:pPr algn="ctr"/>
             <a:r>
-              <a:rPr lang="en-US" sz="1200"/>
-              <a:t>Camera</a:t>
+              <a:rPr lang="en-US" sz="1000">
+                <a:sym typeface="+mn-ea"/>
+              </a:rPr>
+              <a:t>HD Digital Camera</a:t>
             </a:r>
-            <a:endParaRPr lang="en-US" sz="1200"/>
+            <a:endParaRPr lang="en-US" sz="1000">
+              <a:sym typeface="+mn-ea"/>
+            </a:endParaRPr>
           </a:p>
         </p:txBody>
       </p:sp>
@@ -2034,14 +2038,18 @@
           </a:fontRef>
         </p:style>
         <p:txBody>
-          <a:bodyPr rtlCol="0" anchor="ctr"/>
+          <a:bodyPr lIns="0" rIns="0" rtlCol="0" anchor="ctr"/>
           <a:p>
             <a:pPr algn="ctr"/>
             <a:r>
-              <a:rPr lang="en-US" sz="1200"/>
-              <a:t>Camera</a:t>
+              <a:rPr lang="en-US" sz="1000">
+                <a:sym typeface="+mn-ea"/>
+              </a:rPr>
+              <a:t>HD Digital Camera</a:t>
             </a:r>
-            <a:endParaRPr lang="en-US" sz="1200"/>
+            <a:endParaRPr lang="en-US" sz="1000">
+              <a:sym typeface="+mn-ea"/>
+            </a:endParaRPr>
           </a:p>
         </p:txBody>
       </p:sp>
@@ -2075,14 +2083,18 @@
           </a:fontRef>
         </p:style>
         <p:txBody>
-          <a:bodyPr rtlCol="0" anchor="ctr"/>
+          <a:bodyPr lIns="0" rIns="0" rtlCol="0" anchor="ctr"/>
           <a:p>
             <a:pPr algn="ctr"/>
             <a:r>
-              <a:rPr lang="en-US" sz="1200"/>
-              <a:t>Camera</a:t>
+              <a:rPr lang="en-US" sz="1000">
+                <a:sym typeface="+mn-ea"/>
+              </a:rPr>
+              <a:t>HD Digital Camera</a:t>
             </a:r>
-            <a:endParaRPr lang="en-US" sz="1200"/>
+            <a:endParaRPr lang="en-US" sz="1000">
+              <a:sym typeface="+mn-ea"/>
+            </a:endParaRPr>
           </a:p>
         </p:txBody>
       </p:sp>
@@ -2344,19 +2356,19 @@
         <p:nvCxnSpPr>
           <p:cNvPr id="17" name="Elbow Connector 16"/>
           <p:cNvCxnSpPr>
-            <a:stCxn id="15" idx="0"/>
+            <a:stCxn id="45" idx="0"/>
             <a:endCxn id="2" idx="0"/>
           </p:cNvCxnSpPr>
           <p:nvPr/>
         </p:nvCxnSpPr>
         <p:spPr>
           <a:xfrm rot="16200000" flipV="1">
-            <a:off x="4728845" y="-335915"/>
-            <a:ext cx="863600" cy="4176395"/>
+            <a:off x="4865370" y="-473075"/>
+            <a:ext cx="795655" cy="4382135"/>
           </a:xfrm>
           <a:prstGeom prst="bentConnector3">
             <a:avLst>
-              <a:gd name="adj1" fmla="val 127610"/>
+              <a:gd name="adj1" fmla="val 156823"/>
             </a:avLst>
           </a:prstGeom>
           <a:ln>
@@ -2386,19 +2398,19 @@
         <p:nvCxnSpPr>
           <p:cNvPr id="18" name="Elbow Connector 17"/>
           <p:cNvCxnSpPr>
+            <a:stCxn id="16" idx="0"/>
             <a:endCxn id="3" idx="0"/>
           </p:cNvCxnSpPr>
           <p:nvPr/>
         </p:nvCxnSpPr>
         <p:spPr>
-          <a:xfrm rot="10800000">
-            <a:off x="4008120" y="1319530"/>
-            <a:ext cx="3239135" cy="862965"/>
-          </a:xfrm>
-          <a:prstGeom prst="bentConnector4">
+          <a:xfrm rot="16200000" flipV="1">
+            <a:off x="5261610" y="66675"/>
+            <a:ext cx="795655" cy="3302000"/>
+          </a:xfrm>
+          <a:prstGeom prst="bentConnector3">
             <a:avLst>
-              <a:gd name="adj1" fmla="val 117"/>
-              <a:gd name="adj2" fmla="val 127594"/>
+              <a:gd name="adj1" fmla="val 148324"/>
             </a:avLst>
           </a:prstGeom>
           <a:ln>
@@ -2427,20 +2439,17 @@
       <p:cxnSp>
         <p:nvCxnSpPr>
           <p:cNvPr id="19" name="Elbow Connector 18"/>
-          <p:cNvCxnSpPr>
-            <a:stCxn id="15" idx="0"/>
-            <a:endCxn id="4" idx="0"/>
-          </p:cNvCxnSpPr>
+          <p:cNvCxnSpPr/>
           <p:nvPr/>
         </p:nvCxnSpPr>
         <p:spPr>
           <a:xfrm rot="16200000" flipV="1">
-            <a:off x="5629275" y="563880"/>
-            <a:ext cx="863600" cy="2376170"/>
+            <a:off x="5621020" y="570865"/>
+            <a:ext cx="795655" cy="2294255"/>
           </a:xfrm>
           <a:prstGeom prst="bentConnector3">
             <a:avLst>
-              <a:gd name="adj1" fmla="val 127574"/>
+              <a:gd name="adj1" fmla="val 139505"/>
             </a:avLst>
           </a:prstGeom>
           <a:ln>
@@ -2469,17 +2478,20 @@
       <p:cxnSp>
         <p:nvCxnSpPr>
           <p:cNvPr id="20" name="Elbow Connector 19"/>
-          <p:cNvCxnSpPr/>
+          <p:cNvCxnSpPr>
+            <a:stCxn id="12" idx="0"/>
+            <a:endCxn id="5" idx="0"/>
+          </p:cNvCxnSpPr>
           <p:nvPr/>
         </p:nvCxnSpPr>
         <p:spPr>
           <a:xfrm rot="16200000" flipV="1">
-            <a:off x="6097270" y="1031875"/>
-            <a:ext cx="863600" cy="1440180"/>
+            <a:off x="6017895" y="1110615"/>
+            <a:ext cx="795655" cy="1214120"/>
           </a:xfrm>
           <a:prstGeom prst="bentConnector3">
             <a:avLst>
-              <a:gd name="adj1" fmla="val 127574"/>
+              <a:gd name="adj1" fmla="val 129968"/>
             </a:avLst>
           </a:prstGeom>
           <a:ln>
@@ -3385,7 +3397,7 @@
             <a:pPr algn="ctr"/>
             <a:r>
               <a:rPr lang="en-US" sz="1400" b="1"/>
-              <a:t>FICM</a:t>
+              <a:t>FICM/ICM</a:t>
             </a:r>
             <a:endParaRPr lang="en-US" sz="1400" b="1"/>
           </a:p>
@@ -3562,6 +3574,186 @@
               <a:t>SD Card</a:t>
             </a:r>
             <a:endParaRPr lang="en-US" sz="1200"/>
+          </a:p>
+        </p:txBody>
+      </p:sp>
+      <p:sp>
+        <p:nvSpPr>
+          <p:cNvPr id="12" name="Diamond 11"/>
+          <p:cNvSpPr/>
+          <p:nvPr/>
+        </p:nvSpPr>
+        <p:spPr>
+          <a:xfrm>
+            <a:off x="6985000" y="2115820"/>
+            <a:ext cx="75565" cy="75565"/>
+          </a:xfrm>
+          <a:prstGeom prst="diamond">
+            <a:avLst/>
+          </a:prstGeom>
+        </p:spPr>
+        <p:style>
+          <a:lnRef idx="1">
+            <a:schemeClr val="accent6"/>
+          </a:lnRef>
+          <a:fillRef idx="2">
+            <a:schemeClr val="accent6"/>
+          </a:fillRef>
+          <a:effectRef idx="1">
+            <a:schemeClr val="accent6"/>
+          </a:effectRef>
+          <a:fontRef idx="minor">
+            <a:schemeClr val="dk1"/>
+          </a:fontRef>
+        </p:style>
+        <p:txBody>
+          <a:bodyPr vertOverflow="overflow" horzOverflow="overflow" vert="horz" wrap="square" lIns="0" rIns="0" numCol="1" spcCol="0" rtlCol="0" fromWordArt="0" anchor="ctr" anchorCtr="0" forceAA="0" compatLnSpc="1">
+            <a:noAutofit/>
+          </a:bodyPr>
+          <a:p>
+            <a:pPr lvl="0" algn="ctr">
+              <a:buClrTx/>
+              <a:buSzTx/>
+              <a:buFontTx/>
+            </a:pPr>
+            <a:endParaRPr lang="en-US" sz="1200">
+              <a:sym typeface="+mn-ea"/>
+            </a:endParaRPr>
+          </a:p>
+        </p:txBody>
+      </p:sp>
+      <p:sp>
+        <p:nvSpPr>
+          <p:cNvPr id="14" name="Diamond 13"/>
+          <p:cNvSpPr/>
+          <p:nvPr/>
+        </p:nvSpPr>
+        <p:spPr>
+          <a:xfrm>
+            <a:off x="7129145" y="2115820"/>
+            <a:ext cx="75565" cy="75565"/>
+          </a:xfrm>
+          <a:prstGeom prst="diamond">
+            <a:avLst/>
+          </a:prstGeom>
+        </p:spPr>
+        <p:style>
+          <a:lnRef idx="1">
+            <a:schemeClr val="accent6"/>
+          </a:lnRef>
+          <a:fillRef idx="2">
+            <a:schemeClr val="accent6"/>
+          </a:fillRef>
+          <a:effectRef idx="1">
+            <a:schemeClr val="accent6"/>
+          </a:effectRef>
+          <a:fontRef idx="minor">
+            <a:schemeClr val="dk1"/>
+          </a:fontRef>
+        </p:style>
+        <p:txBody>
+          <a:bodyPr vertOverflow="overflow" horzOverflow="overflow" vert="horz" wrap="square" lIns="0" rIns="0" numCol="1" spcCol="0" rtlCol="0" fromWordArt="0" anchor="ctr" anchorCtr="0" forceAA="0" compatLnSpc="1">
+            <a:noAutofit/>
+          </a:bodyPr>
+          <a:p>
+            <a:pPr lvl="0" algn="ctr">
+              <a:buClrTx/>
+              <a:buSzTx/>
+              <a:buFontTx/>
+            </a:pPr>
+            <a:endParaRPr lang="en-US" sz="1200">
+              <a:sym typeface="+mn-ea"/>
+            </a:endParaRPr>
+          </a:p>
+        </p:txBody>
+      </p:sp>
+      <p:sp>
+        <p:nvSpPr>
+          <p:cNvPr id="16" name="Diamond 15"/>
+          <p:cNvSpPr/>
+          <p:nvPr/>
+        </p:nvSpPr>
+        <p:spPr>
+          <a:xfrm>
+            <a:off x="7272655" y="2115820"/>
+            <a:ext cx="75565" cy="75565"/>
+          </a:xfrm>
+          <a:prstGeom prst="diamond">
+            <a:avLst/>
+          </a:prstGeom>
+        </p:spPr>
+        <p:style>
+          <a:lnRef idx="1">
+            <a:schemeClr val="accent6"/>
+          </a:lnRef>
+          <a:fillRef idx="2">
+            <a:schemeClr val="accent6"/>
+          </a:fillRef>
+          <a:effectRef idx="1">
+            <a:schemeClr val="accent6"/>
+          </a:effectRef>
+          <a:fontRef idx="minor">
+            <a:schemeClr val="dk1"/>
+          </a:fontRef>
+        </p:style>
+        <p:txBody>
+          <a:bodyPr vertOverflow="overflow" horzOverflow="overflow" vert="horz" wrap="square" lIns="0" rIns="0" numCol="1" spcCol="0" rtlCol="0" fromWordArt="0" anchor="ctr" anchorCtr="0" forceAA="0" compatLnSpc="1">
+            <a:noAutofit/>
+          </a:bodyPr>
+          <a:p>
+            <a:pPr lvl="0" algn="ctr">
+              <a:buClrTx/>
+              <a:buSzTx/>
+              <a:buFontTx/>
+            </a:pPr>
+            <a:endParaRPr lang="en-US" sz="1200">
+              <a:sym typeface="+mn-ea"/>
+            </a:endParaRPr>
+          </a:p>
+        </p:txBody>
+      </p:sp>
+      <p:sp>
+        <p:nvSpPr>
+          <p:cNvPr id="45" name="Diamond 44"/>
+          <p:cNvSpPr/>
+          <p:nvPr/>
+        </p:nvSpPr>
+        <p:spPr>
+          <a:xfrm>
+            <a:off x="7416800" y="2115820"/>
+            <a:ext cx="75565" cy="75565"/>
+          </a:xfrm>
+          <a:prstGeom prst="diamond">
+            <a:avLst/>
+          </a:prstGeom>
+        </p:spPr>
+        <p:style>
+          <a:lnRef idx="1">
+            <a:schemeClr val="accent6"/>
+          </a:lnRef>
+          <a:fillRef idx="2">
+            <a:schemeClr val="accent6"/>
+          </a:fillRef>
+          <a:effectRef idx="1">
+            <a:schemeClr val="accent6"/>
+          </a:effectRef>
+          <a:fontRef idx="minor">
+            <a:schemeClr val="dk1"/>
+          </a:fontRef>
+        </p:style>
+        <p:txBody>
+          <a:bodyPr vertOverflow="overflow" horzOverflow="overflow" vert="horz" wrap="square" lIns="0" rIns="0" numCol="1" spcCol="0" rtlCol="0" fromWordArt="0" anchor="ctr" anchorCtr="0" forceAA="0" compatLnSpc="1">
+            <a:noAutofit/>
+          </a:bodyPr>
+          <a:p>
+            <a:pPr lvl="0" algn="ctr">
+              <a:buClrTx/>
+              <a:buSzTx/>
+              <a:buFontTx/>
+            </a:pPr>
+            <a:endParaRPr lang="en-US" sz="1200">
+              <a:sym typeface="+mn-ea"/>
+            </a:endParaRPr>
           </a:p>
         </p:txBody>
       </p:sp>
